--- a/09. Среда разработки/Среда разработки.pptx
+++ b/09. Среда разработки/Среда разработки.pptx
@@ -16,13 +16,16 @@
     <p:sldId id="271" r:id="rId10"/>
     <p:sldId id="274" r:id="rId11"/>
     <p:sldId id="270" r:id="rId12"/>
-    <p:sldId id="275" r:id="rId13"/>
-    <p:sldId id="272" r:id="rId14"/>
-    <p:sldId id="265" r:id="rId15"/>
-    <p:sldId id="276" r:id="rId16"/>
-    <p:sldId id="267" r:id="rId17"/>
-    <p:sldId id="277" r:id="rId18"/>
-    <p:sldId id="258" r:id="rId19"/>
+    <p:sldId id="280" r:id="rId13"/>
+    <p:sldId id="279" r:id="rId14"/>
+    <p:sldId id="275" r:id="rId15"/>
+    <p:sldId id="272" r:id="rId16"/>
+    <p:sldId id="265" r:id="rId17"/>
+    <p:sldId id="276" r:id="rId18"/>
+    <p:sldId id="267" r:id="rId19"/>
+    <p:sldId id="277" r:id="rId20"/>
+    <p:sldId id="281" r:id="rId21"/>
+    <p:sldId id="258" r:id="rId22"/>
   </p:sldIdLst>
   <p:sldSz cx="12192000" cy="6858000"/>
   <p:notesSz cx="6858000" cy="9144000"/>
@@ -186,7 +189,7 @@
           <a:noFill/>
           <a:extLst>
             <a:ext uri="{909E8E84-426E-40dd-AFC4-6F175D3DCCD1}">
-              <a14:hiddenFill xmlns="" xmlns:a14="http://schemas.microsoft.com/office/drawing/2010/main">
+              <a14:hiddenFill xmlns:a14="http://schemas.microsoft.com/office/drawing/2010/main" xmlns="">
                 <a:solidFill>
                   <a:srgbClr val="FFFFFF"/>
                 </a:solidFill>
@@ -245,7 +248,7 @@
             </a:ln>
             <a:extLst>
               <a:ext uri="{91240B29-F687-4f45-9708-019B960494DF}">
-                <a14:hiddenLine xmlns="" xmlns:a14="http://schemas.microsoft.com/office/drawing/2010/main" w="9525">
+                <a14:hiddenLine xmlns:a14="http://schemas.microsoft.com/office/drawing/2010/main" xmlns="" w="9525">
                   <a:solidFill>
                     <a:srgbClr val="000000"/>
                   </a:solidFill>
@@ -335,7 +338,7 @@
             </a:ln>
             <a:extLst>
               <a:ext uri="{91240B29-F687-4f45-9708-019B960494DF}">
-                <a14:hiddenLine xmlns="" xmlns:a14="http://schemas.microsoft.com/office/drawing/2010/main" w="9525">
+                <a14:hiddenLine xmlns:a14="http://schemas.microsoft.com/office/drawing/2010/main" xmlns="" w="9525">
                   <a:solidFill>
                     <a:srgbClr val="000000"/>
                   </a:solidFill>
@@ -425,7 +428,7 @@
             </a:ln>
             <a:extLst>
               <a:ext uri="{91240B29-F687-4f45-9708-019B960494DF}">
-                <a14:hiddenLine xmlns="" xmlns:a14="http://schemas.microsoft.com/office/drawing/2010/main" w="9525">
+                <a14:hiddenLine xmlns:a14="http://schemas.microsoft.com/office/drawing/2010/main" xmlns="" w="9525">
                   <a:solidFill>
                     <a:srgbClr val="000000"/>
                   </a:solidFill>
@@ -459,7 +462,7 @@
             </a:ln>
             <a:extLst>
               <a:ext uri="{91240B29-F687-4f45-9708-019B960494DF}">
-                <a14:hiddenLine xmlns="" xmlns:a14="http://schemas.microsoft.com/office/drawing/2010/main" w="9525">
+                <a14:hiddenLine xmlns:a14="http://schemas.microsoft.com/office/drawing/2010/main" xmlns="" w="9525">
                   <a:solidFill>
                     <a:srgbClr val="000000"/>
                   </a:solidFill>
@@ -549,7 +552,7 @@
             </a:ln>
             <a:extLst>
               <a:ext uri="{91240B29-F687-4f45-9708-019B960494DF}">
-                <a14:hiddenLine xmlns="" xmlns:a14="http://schemas.microsoft.com/office/drawing/2010/main" w="9525">
+                <a14:hiddenLine xmlns:a14="http://schemas.microsoft.com/office/drawing/2010/main" xmlns="" w="9525">
                   <a:solidFill>
                     <a:srgbClr val="000000"/>
                   </a:solidFill>
@@ -611,7 +614,7 @@
             </a:ln>
             <a:extLst>
               <a:ext uri="{91240B29-F687-4f45-9708-019B960494DF}">
-                <a14:hiddenLine xmlns="" xmlns:a14="http://schemas.microsoft.com/office/drawing/2010/main" w="9525">
+                <a14:hiddenLine xmlns:a14="http://schemas.microsoft.com/office/drawing/2010/main" xmlns="" w="9525">
                   <a:solidFill>
                     <a:srgbClr val="000000"/>
                   </a:solidFill>
@@ -673,7 +676,7 @@
             </a:ln>
             <a:extLst>
               <a:ext uri="{91240B29-F687-4f45-9708-019B960494DF}">
-                <a14:hiddenLine xmlns="" xmlns:a14="http://schemas.microsoft.com/office/drawing/2010/main" w="9525">
+                <a14:hiddenLine xmlns:a14="http://schemas.microsoft.com/office/drawing/2010/main" xmlns="" w="9525">
                   <a:solidFill>
                     <a:srgbClr val="000000"/>
                   </a:solidFill>
@@ -763,7 +766,7 @@
             </a:ln>
             <a:extLst>
               <a:ext uri="{91240B29-F687-4f45-9708-019B960494DF}">
-                <a14:hiddenLine xmlns="" xmlns:a14="http://schemas.microsoft.com/office/drawing/2010/main" w="9525">
+                <a14:hiddenLine xmlns:a14="http://schemas.microsoft.com/office/drawing/2010/main" xmlns="" w="9525">
                   <a:solidFill>
                     <a:srgbClr val="000000"/>
                   </a:solidFill>
@@ -825,7 +828,7 @@
             </a:ln>
             <a:extLst>
               <a:ext uri="{91240B29-F687-4f45-9708-019B960494DF}">
-                <a14:hiddenLine xmlns="" xmlns:a14="http://schemas.microsoft.com/office/drawing/2010/main" w="9525">
+                <a14:hiddenLine xmlns:a14="http://schemas.microsoft.com/office/drawing/2010/main" xmlns="" w="9525">
                   <a:solidFill>
                     <a:srgbClr val="000000"/>
                   </a:solidFill>
@@ -887,7 +890,7 @@
             </a:ln>
             <a:extLst>
               <a:ext uri="{91240B29-F687-4f45-9708-019B960494DF}">
-                <a14:hiddenLine xmlns="" xmlns:a14="http://schemas.microsoft.com/office/drawing/2010/main" w="9525">
+                <a14:hiddenLine xmlns:a14="http://schemas.microsoft.com/office/drawing/2010/main" xmlns="" w="9525">
                   <a:solidFill>
                     <a:srgbClr val="000000"/>
                   </a:solidFill>
@@ -977,7 +980,7 @@
             </a:ln>
             <a:extLst>
               <a:ext uri="{91240B29-F687-4f45-9708-019B960494DF}">
-                <a14:hiddenLine xmlns="" xmlns:a14="http://schemas.microsoft.com/office/drawing/2010/main" w="9525">
+                <a14:hiddenLine xmlns:a14="http://schemas.microsoft.com/office/drawing/2010/main" xmlns="" w="9525">
                   <a:solidFill>
                     <a:srgbClr val="000000"/>
                   </a:solidFill>
@@ -1067,7 +1070,7 @@
             </a:ln>
             <a:extLst>
               <a:ext uri="{91240B29-F687-4f45-9708-019B960494DF}">
-                <a14:hiddenLine xmlns="" xmlns:a14="http://schemas.microsoft.com/office/drawing/2010/main" w="9525">
+                <a14:hiddenLine xmlns:a14="http://schemas.microsoft.com/office/drawing/2010/main" xmlns="" w="9525">
                   <a:solidFill>
                     <a:srgbClr val="000000"/>
                   </a:solidFill>
@@ -1129,7 +1132,7 @@
             </a:ln>
             <a:extLst>
               <a:ext uri="{91240B29-F687-4f45-9708-019B960494DF}">
-                <a14:hiddenLine xmlns="" xmlns:a14="http://schemas.microsoft.com/office/drawing/2010/main" w="9525">
+                <a14:hiddenLine xmlns:a14="http://schemas.microsoft.com/office/drawing/2010/main" xmlns="" w="9525">
                   <a:solidFill>
                     <a:srgbClr val="000000"/>
                   </a:solidFill>
@@ -1239,7 +1242,7 @@
             </a:ln>
             <a:extLst>
               <a:ext uri="{91240B29-F687-4f45-9708-019B960494DF}">
-                <a14:hiddenLine xmlns="" xmlns:a14="http://schemas.microsoft.com/office/drawing/2010/main" w="9525">
+                <a14:hiddenLine xmlns:a14="http://schemas.microsoft.com/office/drawing/2010/main" xmlns="" w="9525">
                   <a:solidFill>
                     <a:srgbClr val="000000"/>
                   </a:solidFill>
@@ -1301,7 +1304,7 @@
             </a:ln>
             <a:extLst>
               <a:ext uri="{91240B29-F687-4f45-9708-019B960494DF}">
-                <a14:hiddenLine xmlns="" xmlns:a14="http://schemas.microsoft.com/office/drawing/2010/main" w="9525">
+                <a14:hiddenLine xmlns:a14="http://schemas.microsoft.com/office/drawing/2010/main" xmlns="" w="9525">
                   <a:solidFill>
                     <a:srgbClr val="000000"/>
                   </a:solidFill>
@@ -1391,7 +1394,7 @@
             </a:ln>
             <a:extLst>
               <a:ext uri="{91240B29-F687-4f45-9708-019B960494DF}">
-                <a14:hiddenLine xmlns="" xmlns:a14="http://schemas.microsoft.com/office/drawing/2010/main" w="9525">
+                <a14:hiddenLine xmlns:a14="http://schemas.microsoft.com/office/drawing/2010/main" xmlns="" w="9525">
                   <a:solidFill>
                     <a:srgbClr val="000000"/>
                   </a:solidFill>
@@ -1481,7 +1484,7 @@
             </a:ln>
             <a:extLst>
               <a:ext uri="{91240B29-F687-4f45-9708-019B960494DF}">
-                <a14:hiddenLine xmlns="" xmlns:a14="http://schemas.microsoft.com/office/drawing/2010/main" w="9525">
+                <a14:hiddenLine xmlns:a14="http://schemas.microsoft.com/office/drawing/2010/main" xmlns="" w="9525">
                   <a:solidFill>
                     <a:srgbClr val="000000"/>
                   </a:solidFill>
@@ -1543,7 +1546,7 @@
             </a:ln>
             <a:extLst>
               <a:ext uri="{91240B29-F687-4f45-9708-019B960494DF}">
-                <a14:hiddenLine xmlns="" xmlns:a14="http://schemas.microsoft.com/office/drawing/2010/main" w="9525">
+                <a14:hiddenLine xmlns:a14="http://schemas.microsoft.com/office/drawing/2010/main" xmlns="" w="9525">
                   <a:solidFill>
                     <a:srgbClr val="000000"/>
                   </a:solidFill>
@@ -1633,7 +1636,7 @@
             </a:ln>
             <a:extLst>
               <a:ext uri="{91240B29-F687-4f45-9708-019B960494DF}">
-                <a14:hiddenLine xmlns="" xmlns:a14="http://schemas.microsoft.com/office/drawing/2010/main" w="9525">
+                <a14:hiddenLine xmlns:a14="http://schemas.microsoft.com/office/drawing/2010/main" xmlns="" w="9525">
                   <a:solidFill>
                     <a:srgbClr val="000000"/>
                   </a:solidFill>
@@ -1723,7 +1726,7 @@
             </a:ln>
             <a:extLst>
               <a:ext uri="{91240B29-F687-4f45-9708-019B960494DF}">
-                <a14:hiddenLine xmlns="" xmlns:a14="http://schemas.microsoft.com/office/drawing/2010/main" w="9525">
+                <a14:hiddenLine xmlns:a14="http://schemas.microsoft.com/office/drawing/2010/main" xmlns="" w="9525">
                   <a:solidFill>
                     <a:srgbClr val="000000"/>
                   </a:solidFill>
@@ -1779,7 +1782,7 @@
             </a:ln>
             <a:extLst>
               <a:ext uri="{91240B29-F687-4f45-9708-019B960494DF}">
-                <a14:hiddenLine xmlns="" xmlns:a14="http://schemas.microsoft.com/office/drawing/2010/main" w="9525">
+                <a14:hiddenLine xmlns:a14="http://schemas.microsoft.com/office/drawing/2010/main" xmlns="" w="9525">
                   <a:solidFill>
                     <a:srgbClr val="000000"/>
                   </a:solidFill>
@@ -1869,7 +1872,7 @@
             </a:ln>
             <a:extLst>
               <a:ext uri="{91240B29-F687-4f45-9708-019B960494DF}">
-                <a14:hiddenLine xmlns="" xmlns:a14="http://schemas.microsoft.com/office/drawing/2010/main" w="9525">
+                <a14:hiddenLine xmlns:a14="http://schemas.microsoft.com/office/drawing/2010/main" xmlns="" w="9525">
                   <a:solidFill>
                     <a:srgbClr val="000000"/>
                   </a:solidFill>
@@ -1925,7 +1928,7 @@
             </a:ln>
             <a:extLst>
               <a:ext uri="{91240B29-F687-4f45-9708-019B960494DF}">
-                <a14:hiddenLine xmlns="" xmlns:a14="http://schemas.microsoft.com/office/drawing/2010/main" w="9525">
+                <a14:hiddenLine xmlns:a14="http://schemas.microsoft.com/office/drawing/2010/main" xmlns="" w="9525">
                   <a:solidFill>
                     <a:srgbClr val="000000"/>
                   </a:solidFill>
@@ -2015,7 +2018,7 @@
             </a:ln>
             <a:extLst>
               <a:ext uri="{91240B29-F687-4f45-9708-019B960494DF}">
-                <a14:hiddenLine xmlns="" xmlns:a14="http://schemas.microsoft.com/office/drawing/2010/main" w="9525">
+                <a14:hiddenLine xmlns:a14="http://schemas.microsoft.com/office/drawing/2010/main" xmlns="" w="9525">
                   <a:solidFill>
                     <a:srgbClr val="000000"/>
                   </a:solidFill>
@@ -2083,7 +2086,7 @@
             </a:ln>
             <a:extLst>
               <a:ext uri="{91240B29-F687-4f45-9708-019B960494DF}">
-                <a14:hiddenLine xmlns="" xmlns:a14="http://schemas.microsoft.com/office/drawing/2010/main" w="9525">
+                <a14:hiddenLine xmlns:a14="http://schemas.microsoft.com/office/drawing/2010/main" xmlns="" w="9525">
                   <a:solidFill>
                     <a:srgbClr val="000000"/>
                   </a:solidFill>
@@ -2173,7 +2176,7 @@
             </a:ln>
             <a:extLst>
               <a:ext uri="{91240B29-F687-4f45-9708-019B960494DF}">
-                <a14:hiddenLine xmlns="" xmlns:a14="http://schemas.microsoft.com/office/drawing/2010/main" w="9525">
+                <a14:hiddenLine xmlns:a14="http://schemas.microsoft.com/office/drawing/2010/main" xmlns="" w="9525">
                   <a:solidFill>
                     <a:srgbClr val="000000"/>
                   </a:solidFill>
@@ -2241,7 +2244,7 @@
             </a:ln>
             <a:extLst>
               <a:ext uri="{91240B29-F687-4f45-9708-019B960494DF}">
-                <a14:hiddenLine xmlns="" xmlns:a14="http://schemas.microsoft.com/office/drawing/2010/main" w="9525">
+                <a14:hiddenLine xmlns:a14="http://schemas.microsoft.com/office/drawing/2010/main" xmlns="" w="9525">
                   <a:solidFill>
                     <a:srgbClr val="000000"/>
                   </a:solidFill>
@@ -2331,7 +2334,7 @@
             </a:ln>
             <a:extLst>
               <a:ext uri="{91240B29-F687-4f45-9708-019B960494DF}">
-                <a14:hiddenLine xmlns="" xmlns:a14="http://schemas.microsoft.com/office/drawing/2010/main" w="9525">
+                <a14:hiddenLine xmlns:a14="http://schemas.microsoft.com/office/drawing/2010/main" xmlns="" w="9525">
                   <a:solidFill>
                     <a:srgbClr val="000000"/>
                   </a:solidFill>
@@ -2365,7 +2368,7 @@
             </a:ln>
             <a:extLst>
               <a:ext uri="{91240B29-F687-4f45-9708-019B960494DF}">
-                <a14:hiddenLine xmlns="" xmlns:a14="http://schemas.microsoft.com/office/drawing/2010/main" w="9525">
+                <a14:hiddenLine xmlns:a14="http://schemas.microsoft.com/office/drawing/2010/main" xmlns="" w="9525">
                   <a:solidFill>
                     <a:srgbClr val="000000"/>
                   </a:solidFill>
@@ -2455,7 +2458,7 @@
             </a:ln>
             <a:extLst>
               <a:ext uri="{91240B29-F687-4f45-9708-019B960494DF}">
-                <a14:hiddenLine xmlns="" xmlns:a14="http://schemas.microsoft.com/office/drawing/2010/main" w="9525">
+                <a14:hiddenLine xmlns:a14="http://schemas.microsoft.com/office/drawing/2010/main" xmlns="" w="9525">
                   <a:solidFill>
                     <a:srgbClr val="000000"/>
                   </a:solidFill>
@@ -2517,7 +2520,7 @@
             </a:ln>
             <a:extLst>
               <a:ext uri="{91240B29-F687-4f45-9708-019B960494DF}">
-                <a14:hiddenLine xmlns="" xmlns:a14="http://schemas.microsoft.com/office/drawing/2010/main" w="9525">
+                <a14:hiddenLine xmlns:a14="http://schemas.microsoft.com/office/drawing/2010/main" xmlns="" w="9525">
                   <a:solidFill>
                     <a:srgbClr val="000000"/>
                   </a:solidFill>
@@ -2579,7 +2582,7 @@
             </a:ln>
             <a:extLst>
               <a:ext uri="{91240B29-F687-4f45-9708-019B960494DF}">
-                <a14:hiddenLine xmlns="" xmlns:a14="http://schemas.microsoft.com/office/drawing/2010/main" w="9525">
+                <a14:hiddenLine xmlns:a14="http://schemas.microsoft.com/office/drawing/2010/main" xmlns="" w="9525">
                   <a:solidFill>
                     <a:srgbClr val="000000"/>
                   </a:solidFill>
@@ -2669,7 +2672,7 @@
             </a:ln>
             <a:extLst>
               <a:ext uri="{91240B29-F687-4f45-9708-019B960494DF}">
-                <a14:hiddenLine xmlns="" xmlns:a14="http://schemas.microsoft.com/office/drawing/2010/main" w="9525">
+                <a14:hiddenLine xmlns:a14="http://schemas.microsoft.com/office/drawing/2010/main" xmlns="" w="9525">
                   <a:solidFill>
                     <a:srgbClr val="000000"/>
                   </a:solidFill>
@@ -2737,7 +2740,7 @@
             </a:ln>
             <a:extLst>
               <a:ext uri="{91240B29-F687-4f45-9708-019B960494DF}">
-                <a14:hiddenLine xmlns="" xmlns:a14="http://schemas.microsoft.com/office/drawing/2010/main" w="9525">
+                <a14:hiddenLine xmlns:a14="http://schemas.microsoft.com/office/drawing/2010/main" xmlns="" w="9525">
                   <a:solidFill>
                     <a:srgbClr val="000000"/>
                   </a:solidFill>
@@ -2799,7 +2802,7 @@
             </a:ln>
             <a:extLst>
               <a:ext uri="{91240B29-F687-4f45-9708-019B960494DF}">
-                <a14:hiddenLine xmlns="" xmlns:a14="http://schemas.microsoft.com/office/drawing/2010/main" w="9525">
+                <a14:hiddenLine xmlns:a14="http://schemas.microsoft.com/office/drawing/2010/main" xmlns="" w="9525">
                   <a:solidFill>
                     <a:srgbClr val="000000"/>
                   </a:solidFill>
@@ -2889,7 +2892,7 @@
             </a:ln>
             <a:extLst>
               <a:ext uri="{91240B29-F687-4f45-9708-019B960494DF}">
-                <a14:hiddenLine xmlns="" xmlns:a14="http://schemas.microsoft.com/office/drawing/2010/main" w="9525">
+                <a14:hiddenLine xmlns:a14="http://schemas.microsoft.com/office/drawing/2010/main" xmlns="" w="9525">
                   <a:solidFill>
                     <a:srgbClr val="000000"/>
                   </a:solidFill>
@@ -2951,7 +2954,7 @@
             </a:ln>
             <a:extLst>
               <a:ext uri="{91240B29-F687-4f45-9708-019B960494DF}">
-                <a14:hiddenLine xmlns="" xmlns:a14="http://schemas.microsoft.com/office/drawing/2010/main" w="9525">
+                <a14:hiddenLine xmlns:a14="http://schemas.microsoft.com/office/drawing/2010/main" xmlns="" w="9525">
                   <a:solidFill>
                     <a:srgbClr val="000000"/>
                   </a:solidFill>
@@ -3041,7 +3044,7 @@
             </a:ln>
             <a:extLst>
               <a:ext uri="{91240B29-F687-4f45-9708-019B960494DF}">
-                <a14:hiddenLine xmlns="" xmlns:a14="http://schemas.microsoft.com/office/drawing/2010/main" w="9525">
+                <a14:hiddenLine xmlns:a14="http://schemas.microsoft.com/office/drawing/2010/main" xmlns="" w="9525">
                   <a:solidFill>
                     <a:srgbClr val="000000"/>
                   </a:solidFill>
@@ -3103,7 +3106,7 @@
             </a:ln>
             <a:extLst>
               <a:ext uri="{91240B29-F687-4f45-9708-019B960494DF}">
-                <a14:hiddenLine xmlns="" xmlns:a14="http://schemas.microsoft.com/office/drawing/2010/main" w="9525">
+                <a14:hiddenLine xmlns:a14="http://schemas.microsoft.com/office/drawing/2010/main" xmlns="" w="9525">
                   <a:solidFill>
                     <a:srgbClr val="000000"/>
                   </a:solidFill>
@@ -3193,7 +3196,7 @@
             </a:ln>
             <a:extLst>
               <a:ext uri="{91240B29-F687-4f45-9708-019B960494DF}">
-                <a14:hiddenLine xmlns="" xmlns:a14="http://schemas.microsoft.com/office/drawing/2010/main" w="9525">
+                <a14:hiddenLine xmlns:a14="http://schemas.microsoft.com/office/drawing/2010/main" xmlns="" w="9525">
                   <a:solidFill>
                     <a:srgbClr val="000000"/>
                   </a:solidFill>
@@ -3227,7 +3230,7 @@
             </a:ln>
             <a:extLst>
               <a:ext uri="{91240B29-F687-4f45-9708-019B960494DF}">
-                <a14:hiddenLine xmlns="" xmlns:a14="http://schemas.microsoft.com/office/drawing/2010/main" w="9525">
+                <a14:hiddenLine xmlns:a14="http://schemas.microsoft.com/office/drawing/2010/main" xmlns="" w="9525">
                   <a:solidFill>
                     <a:srgbClr val="000000"/>
                   </a:solidFill>
@@ -3292,7 +3295,7 @@
             </a:ln>
             <a:extLst>
               <a:ext uri="{91240B29-F687-4f45-9708-019B960494DF}">
-                <a14:hiddenLine xmlns="" xmlns:a14="http://schemas.microsoft.com/office/drawing/2010/main" w="9525">
+                <a14:hiddenLine xmlns:a14="http://schemas.microsoft.com/office/drawing/2010/main" xmlns="" w="9525">
                   <a:solidFill>
                     <a:srgbClr val="000000"/>
                   </a:solidFill>
@@ -3382,7 +3385,7 @@
             </a:ln>
             <a:extLst>
               <a:ext uri="{91240B29-F687-4f45-9708-019B960494DF}">
-                <a14:hiddenLine xmlns="" xmlns:a14="http://schemas.microsoft.com/office/drawing/2010/main" w="9525">
+                <a14:hiddenLine xmlns:a14="http://schemas.microsoft.com/office/drawing/2010/main" xmlns="" w="9525">
                   <a:solidFill>
                     <a:srgbClr val="000000"/>
                   </a:solidFill>
@@ -3444,7 +3447,7 @@
             </a:ln>
             <a:extLst>
               <a:ext uri="{91240B29-F687-4f45-9708-019B960494DF}">
-                <a14:hiddenLine xmlns="" xmlns:a14="http://schemas.microsoft.com/office/drawing/2010/main" w="9525">
+                <a14:hiddenLine xmlns:a14="http://schemas.microsoft.com/office/drawing/2010/main" xmlns="" w="9525">
                   <a:solidFill>
                     <a:srgbClr val="000000"/>
                   </a:solidFill>
@@ -3534,7 +3537,7 @@
             </a:ln>
             <a:extLst>
               <a:ext uri="{91240B29-F687-4f45-9708-019B960494DF}">
-                <a14:hiddenLine xmlns="" xmlns:a14="http://schemas.microsoft.com/office/drawing/2010/main" w="9525">
+                <a14:hiddenLine xmlns:a14="http://schemas.microsoft.com/office/drawing/2010/main" xmlns="" w="9525">
                   <a:solidFill>
                     <a:srgbClr val="000000"/>
                   </a:solidFill>
@@ -3624,7 +3627,7 @@
             </a:ln>
             <a:extLst>
               <a:ext uri="{91240B29-F687-4f45-9708-019B960494DF}">
-                <a14:hiddenLine xmlns="" xmlns:a14="http://schemas.microsoft.com/office/drawing/2010/main" w="9525">
+                <a14:hiddenLine xmlns:a14="http://schemas.microsoft.com/office/drawing/2010/main" xmlns="" w="9525">
                   <a:solidFill>
                     <a:srgbClr val="000000"/>
                   </a:solidFill>
@@ -3689,7 +3692,7 @@
             </a:ln>
             <a:extLst>
               <a:ext uri="{91240B29-F687-4f45-9708-019B960494DF}">
-                <a14:hiddenLine xmlns="" xmlns:a14="http://schemas.microsoft.com/office/drawing/2010/main" w="9525">
+                <a14:hiddenLine xmlns:a14="http://schemas.microsoft.com/office/drawing/2010/main" xmlns="" w="9525">
                   <a:solidFill>
                     <a:srgbClr val="000000"/>
                   </a:solidFill>
@@ -3751,7 +3754,7 @@
             </a:ln>
             <a:extLst>
               <a:ext uri="{91240B29-F687-4f45-9708-019B960494DF}">
-                <a14:hiddenLine xmlns="" xmlns:a14="http://schemas.microsoft.com/office/drawing/2010/main" w="9525">
+                <a14:hiddenLine xmlns:a14="http://schemas.microsoft.com/office/drawing/2010/main" xmlns="" w="9525">
                   <a:solidFill>
                     <a:srgbClr val="000000"/>
                   </a:solidFill>
@@ -3841,7 +3844,7 @@
             </a:ln>
             <a:extLst>
               <a:ext uri="{91240B29-F687-4f45-9708-019B960494DF}">
-                <a14:hiddenLine xmlns="" xmlns:a14="http://schemas.microsoft.com/office/drawing/2010/main" w="9525">
+                <a14:hiddenLine xmlns:a14="http://schemas.microsoft.com/office/drawing/2010/main" xmlns="" w="9525">
                   <a:solidFill>
                     <a:srgbClr val="000000"/>
                   </a:solidFill>
@@ -3931,7 +3934,7 @@
             </a:ln>
             <a:extLst>
               <a:ext uri="{91240B29-F687-4f45-9708-019B960494DF}">
-                <a14:hiddenLine xmlns="" xmlns:a14="http://schemas.microsoft.com/office/drawing/2010/main" w="9525">
+                <a14:hiddenLine xmlns:a14="http://schemas.microsoft.com/office/drawing/2010/main" xmlns="" w="9525">
                   <a:solidFill>
                     <a:srgbClr val="000000"/>
                   </a:solidFill>
@@ -3993,7 +3996,7 @@
             </a:ln>
             <a:extLst>
               <a:ext uri="{91240B29-F687-4f45-9708-019B960494DF}">
-                <a14:hiddenLine xmlns="" xmlns:a14="http://schemas.microsoft.com/office/drawing/2010/main" w="9525">
+                <a14:hiddenLine xmlns:a14="http://schemas.microsoft.com/office/drawing/2010/main" xmlns="" w="9525">
                   <a:solidFill>
                     <a:srgbClr val="000000"/>
                   </a:solidFill>
@@ -4113,7 +4116,7 @@
             </a:ln>
             <a:extLst>
               <a:ext uri="{91240B29-F687-4f45-9708-019B960494DF}">
-                <a14:hiddenLine xmlns="" xmlns:a14="http://schemas.microsoft.com/office/drawing/2010/main" w="9525">
+                <a14:hiddenLine xmlns:a14="http://schemas.microsoft.com/office/drawing/2010/main" xmlns="" w="9525">
                   <a:solidFill>
                     <a:srgbClr val="000000"/>
                   </a:solidFill>
@@ -4181,7 +4184,7 @@
             </a:ln>
             <a:extLst>
               <a:ext uri="{91240B29-F687-4f45-9708-019B960494DF}">
-                <a14:hiddenLine xmlns="" xmlns:a14="http://schemas.microsoft.com/office/drawing/2010/main" w="9525">
+                <a14:hiddenLine xmlns:a14="http://schemas.microsoft.com/office/drawing/2010/main" xmlns="" w="9525">
                   <a:solidFill>
                     <a:srgbClr val="000000"/>
                   </a:solidFill>
@@ -4271,7 +4274,7 @@
             </a:ln>
             <a:extLst>
               <a:ext uri="{91240B29-F687-4f45-9708-019B960494DF}">
-                <a14:hiddenLine xmlns="" xmlns:a14="http://schemas.microsoft.com/office/drawing/2010/main" w="9525">
+                <a14:hiddenLine xmlns:a14="http://schemas.microsoft.com/office/drawing/2010/main" xmlns="" w="9525">
                   <a:solidFill>
                     <a:srgbClr val="000000"/>
                   </a:solidFill>
@@ -4411,7 +4414,7 @@
           <a:p>
             <a:fld id="{D109953C-3814-4714-A4CC-D76BB886B631}" type="datetimeFigureOut">
               <a:rPr lang="ru-RU" smtClean="0"/>
-              <a:t>02-04-2023</a:t>
+              <a:t>06.04.2023</a:t>
             </a:fld>
             <a:endParaRPr lang="ru-RU"/>
           </a:p>
@@ -4678,7 +4681,7 @@
           <a:p>
             <a:fld id="{D109953C-3814-4714-A4CC-D76BB886B631}" type="datetimeFigureOut">
               <a:rPr lang="ru-RU" smtClean="0"/>
-              <a:t>02-04-2023</a:t>
+              <a:t>06.04.2023</a:t>
             </a:fld>
             <a:endParaRPr lang="ru-RU"/>
           </a:p>
@@ -4874,7 +4877,7 @@
           <a:p>
             <a:fld id="{D109953C-3814-4714-A4CC-D76BB886B631}" type="datetimeFigureOut">
               <a:rPr lang="ru-RU" smtClean="0"/>
-              <a:t>02-04-2023</a:t>
+              <a:t>06.04.2023</a:t>
             </a:fld>
             <a:endParaRPr lang="ru-RU"/>
           </a:p>
@@ -5137,7 +5140,7 @@
           <a:p>
             <a:fld id="{D109953C-3814-4714-A4CC-D76BB886B631}" type="datetimeFigureOut">
               <a:rPr lang="ru-RU" smtClean="0"/>
-              <a:t>02-04-2023</a:t>
+              <a:t>06.04.2023</a:t>
             </a:fld>
             <a:endParaRPr lang="ru-RU"/>
           </a:p>
@@ -5571,7 +5574,7 @@
           <a:p>
             <a:fld id="{D109953C-3814-4714-A4CC-D76BB886B631}" type="datetimeFigureOut">
               <a:rPr lang="ru-RU" smtClean="0"/>
-              <a:t>02-04-2023</a:t>
+              <a:t>06.04.2023</a:t>
             </a:fld>
             <a:endParaRPr lang="ru-RU"/>
           </a:p>
@@ -6117,7 +6120,7 @@
           <a:p>
             <a:fld id="{D109953C-3814-4714-A4CC-D76BB886B631}" type="datetimeFigureOut">
               <a:rPr lang="ru-RU" smtClean="0"/>
-              <a:t>02-04-2023</a:t>
+              <a:t>06.04.2023</a:t>
             </a:fld>
             <a:endParaRPr lang="ru-RU"/>
           </a:p>
@@ -6837,7 +6840,7 @@
           <a:p>
             <a:fld id="{D109953C-3814-4714-A4CC-D76BB886B631}" type="datetimeFigureOut">
               <a:rPr lang="ru-RU" smtClean="0"/>
-              <a:t>02-04-2023</a:t>
+              <a:t>06.04.2023</a:t>
             </a:fld>
             <a:endParaRPr lang="ru-RU"/>
           </a:p>
@@ -7007,7 +7010,7 @@
           <a:p>
             <a:fld id="{D109953C-3814-4714-A4CC-D76BB886B631}" type="datetimeFigureOut">
               <a:rPr lang="ru-RU" smtClean="0"/>
-              <a:t>02-04-2023</a:t>
+              <a:t>06.04.2023</a:t>
             </a:fld>
             <a:endParaRPr lang="ru-RU"/>
           </a:p>
@@ -7187,7 +7190,7 @@
           <a:p>
             <a:fld id="{D109953C-3814-4714-A4CC-D76BB886B631}" type="datetimeFigureOut">
               <a:rPr lang="ru-RU" smtClean="0"/>
-              <a:t>02-04-2023</a:t>
+              <a:t>06.04.2023</a:t>
             </a:fld>
             <a:endParaRPr lang="ru-RU"/>
           </a:p>
@@ -7357,7 +7360,7 @@
           <a:p>
             <a:fld id="{D109953C-3814-4714-A4CC-D76BB886B631}" type="datetimeFigureOut">
               <a:rPr lang="ru-RU" smtClean="0"/>
-              <a:t>02-04-2023</a:t>
+              <a:t>06.04.2023</a:t>
             </a:fld>
             <a:endParaRPr lang="ru-RU"/>
           </a:p>
@@ -7607,7 +7610,7 @@
           <a:p>
             <a:fld id="{D109953C-3814-4714-A4CC-D76BB886B631}" type="datetimeFigureOut">
               <a:rPr lang="ru-RU" smtClean="0"/>
-              <a:t>02-04-2023</a:t>
+              <a:t>06.04.2023</a:t>
             </a:fld>
             <a:endParaRPr lang="ru-RU"/>
           </a:p>
@@ -7839,7 +7842,7 @@
           <a:p>
             <a:fld id="{D109953C-3814-4714-A4CC-D76BB886B631}" type="datetimeFigureOut">
               <a:rPr lang="ru-RU" smtClean="0"/>
-              <a:t>02-04-2023</a:t>
+              <a:t>06.04.2023</a:t>
             </a:fld>
             <a:endParaRPr lang="ru-RU"/>
           </a:p>
@@ -8220,7 +8223,7 @@
           <a:p>
             <a:fld id="{D109953C-3814-4714-A4CC-D76BB886B631}" type="datetimeFigureOut">
               <a:rPr lang="ru-RU" smtClean="0"/>
-              <a:t>02-04-2023</a:t>
+              <a:t>06.04.2023</a:t>
             </a:fld>
             <a:endParaRPr lang="ru-RU"/>
           </a:p>
@@ -8338,7 +8341,7 @@
           <a:p>
             <a:fld id="{D109953C-3814-4714-A4CC-D76BB886B631}" type="datetimeFigureOut">
               <a:rPr lang="ru-RU" smtClean="0"/>
-              <a:t>02-04-2023</a:t>
+              <a:t>06.04.2023</a:t>
             </a:fld>
             <a:endParaRPr lang="ru-RU"/>
           </a:p>
@@ -8433,7 +8436,7 @@
           <a:p>
             <a:fld id="{D109953C-3814-4714-A4CC-D76BB886B631}" type="datetimeFigureOut">
               <a:rPr lang="ru-RU" smtClean="0"/>
-              <a:t>02-04-2023</a:t>
+              <a:t>06.04.2023</a:t>
             </a:fld>
             <a:endParaRPr lang="ru-RU"/>
           </a:p>
@@ -8682,7 +8685,7 @@
           <a:p>
             <a:fld id="{D109953C-3814-4714-A4CC-D76BB886B631}" type="datetimeFigureOut">
               <a:rPr lang="ru-RU" smtClean="0"/>
-              <a:t>02-04-2023</a:t>
+              <a:t>06.04.2023</a:t>
             </a:fld>
             <a:endParaRPr lang="ru-RU"/>
           </a:p>
@@ -8962,7 +8965,7 @@
           <a:p>
             <a:fld id="{D109953C-3814-4714-A4CC-D76BB886B631}" type="datetimeFigureOut">
               <a:rPr lang="ru-RU" smtClean="0"/>
-              <a:t>02-04-2023</a:t>
+              <a:t>06.04.2023</a:t>
             </a:fld>
             <a:endParaRPr lang="ru-RU"/>
           </a:p>
@@ -9085,7 +9088,7 @@
           <a:noFill/>
           <a:extLst>
             <a:ext uri="{909E8E84-426E-40dd-AFC4-6F175D3DCCD1}">
-              <a14:hiddenFill xmlns="" xmlns:a14="http://schemas.microsoft.com/office/drawing/2010/main">
+              <a14:hiddenFill xmlns:a14="http://schemas.microsoft.com/office/drawing/2010/main" xmlns="">
                 <a:solidFill>
                   <a:srgbClr val="FFFFFF"/>
                 </a:solidFill>
@@ -9159,7 +9162,7 @@
               </a:ln>
               <a:extLst>
                 <a:ext uri="{91240B29-F687-4f45-9708-019B960494DF}">
-                  <a14:hiddenLine xmlns="" xmlns:a14="http://schemas.microsoft.com/office/drawing/2010/main" w="9525">
+                  <a14:hiddenLine xmlns:a14="http://schemas.microsoft.com/office/drawing/2010/main" xmlns="" w="9525">
                     <a:solidFill>
                       <a:srgbClr val="000000"/>
                     </a:solidFill>
@@ -9249,7 +9252,7 @@
               </a:ln>
               <a:extLst>
                 <a:ext uri="{91240B29-F687-4f45-9708-019B960494DF}">
-                  <a14:hiddenLine xmlns="" xmlns:a14="http://schemas.microsoft.com/office/drawing/2010/main" w="9525">
+                  <a14:hiddenLine xmlns:a14="http://schemas.microsoft.com/office/drawing/2010/main" xmlns="" w="9525">
                     <a:solidFill>
                       <a:srgbClr val="000000"/>
                     </a:solidFill>
@@ -9339,7 +9342,7 @@
               </a:ln>
               <a:extLst>
                 <a:ext uri="{91240B29-F687-4f45-9708-019B960494DF}">
-                  <a14:hiddenLine xmlns="" xmlns:a14="http://schemas.microsoft.com/office/drawing/2010/main" w="9525">
+                  <a14:hiddenLine xmlns:a14="http://schemas.microsoft.com/office/drawing/2010/main" xmlns="" w="9525">
                     <a:solidFill>
                       <a:srgbClr val="000000"/>
                     </a:solidFill>
@@ -9401,7 +9404,7 @@
               </a:ln>
               <a:extLst>
                 <a:ext uri="{91240B29-F687-4f45-9708-019B960494DF}">
-                  <a14:hiddenLine xmlns="" xmlns:a14="http://schemas.microsoft.com/office/drawing/2010/main" w="9525">
+                  <a14:hiddenLine xmlns:a14="http://schemas.microsoft.com/office/drawing/2010/main" xmlns="" w="9525">
                     <a:solidFill>
                       <a:srgbClr val="000000"/>
                     </a:solidFill>
@@ -9491,7 +9494,7 @@
               </a:ln>
               <a:extLst>
                 <a:ext uri="{91240B29-F687-4f45-9708-019B960494DF}">
-                  <a14:hiddenLine xmlns="" xmlns:a14="http://schemas.microsoft.com/office/drawing/2010/main" w="9525">
+                  <a14:hiddenLine xmlns:a14="http://schemas.microsoft.com/office/drawing/2010/main" xmlns="" w="9525">
                     <a:solidFill>
                       <a:srgbClr val="000000"/>
                     </a:solidFill>
@@ -9553,7 +9556,7 @@
               </a:ln>
               <a:extLst>
                 <a:ext uri="{91240B29-F687-4f45-9708-019B960494DF}">
-                  <a14:hiddenLine xmlns="" xmlns:a14="http://schemas.microsoft.com/office/drawing/2010/main" w="9525">
+                  <a14:hiddenLine xmlns:a14="http://schemas.microsoft.com/office/drawing/2010/main" xmlns="" w="9525">
                     <a:solidFill>
                       <a:srgbClr val="000000"/>
                     </a:solidFill>
@@ -9615,7 +9618,7 @@
               </a:ln>
               <a:extLst>
                 <a:ext uri="{91240B29-F687-4f45-9708-019B960494DF}">
-                  <a14:hiddenLine xmlns="" xmlns:a14="http://schemas.microsoft.com/office/drawing/2010/main" w="9525">
+                  <a14:hiddenLine xmlns:a14="http://schemas.microsoft.com/office/drawing/2010/main" xmlns="" w="9525">
                     <a:solidFill>
                       <a:srgbClr val="000000"/>
                     </a:solidFill>
@@ -9705,7 +9708,7 @@
               </a:ln>
               <a:extLst>
                 <a:ext uri="{91240B29-F687-4f45-9708-019B960494DF}">
-                  <a14:hiddenLine xmlns="" xmlns:a14="http://schemas.microsoft.com/office/drawing/2010/main" w="9525">
+                  <a14:hiddenLine xmlns:a14="http://schemas.microsoft.com/office/drawing/2010/main" xmlns="" w="9525">
                     <a:solidFill>
                       <a:srgbClr val="000000"/>
                     </a:solidFill>
@@ -9795,7 +9798,7 @@
               </a:ln>
               <a:extLst>
                 <a:ext uri="{91240B29-F687-4f45-9708-019B960494DF}">
-                  <a14:hiddenLine xmlns="" xmlns:a14="http://schemas.microsoft.com/office/drawing/2010/main" w="9525">
+                  <a14:hiddenLine xmlns:a14="http://schemas.microsoft.com/office/drawing/2010/main" xmlns="" w="9525">
                     <a:solidFill>
                       <a:srgbClr val="000000"/>
                     </a:solidFill>
@@ -9857,7 +9860,7 @@
               </a:ln>
               <a:extLst>
                 <a:ext uri="{91240B29-F687-4f45-9708-019B960494DF}">
-                  <a14:hiddenLine xmlns="" xmlns:a14="http://schemas.microsoft.com/office/drawing/2010/main" w="9525">
+                  <a14:hiddenLine xmlns:a14="http://schemas.microsoft.com/office/drawing/2010/main" xmlns="" w="9525">
                     <a:solidFill>
                       <a:srgbClr val="000000"/>
                     </a:solidFill>
@@ -9967,7 +9970,7 @@
               </a:ln>
               <a:extLst>
                 <a:ext uri="{91240B29-F687-4f45-9708-019B960494DF}">
-                  <a14:hiddenLine xmlns="" xmlns:a14="http://schemas.microsoft.com/office/drawing/2010/main" w="9525">
+                  <a14:hiddenLine xmlns:a14="http://schemas.microsoft.com/office/drawing/2010/main" xmlns="" w="9525">
                     <a:solidFill>
                       <a:srgbClr val="000000"/>
                     </a:solidFill>
@@ -10051,7 +10054,7 @@
               </a:ln>
               <a:extLst>
                 <a:ext uri="{91240B29-F687-4f45-9708-019B960494DF}">
-                  <a14:hiddenLine xmlns="" xmlns:a14="http://schemas.microsoft.com/office/drawing/2010/main" w="9525">
+                  <a14:hiddenLine xmlns:a14="http://schemas.microsoft.com/office/drawing/2010/main" xmlns="" w="9525">
                     <a:solidFill>
                       <a:srgbClr val="000000"/>
                     </a:solidFill>
@@ -10113,7 +10116,7 @@
               </a:ln>
               <a:extLst>
                 <a:ext uri="{91240B29-F687-4f45-9708-019B960494DF}">
-                  <a14:hiddenLine xmlns="" xmlns:a14="http://schemas.microsoft.com/office/drawing/2010/main" w="9525">
+                  <a14:hiddenLine xmlns:a14="http://schemas.microsoft.com/office/drawing/2010/main" xmlns="" w="9525">
                     <a:solidFill>
                       <a:srgbClr val="000000"/>
                     </a:solidFill>
@@ -10175,7 +10178,7 @@
               </a:ln>
               <a:extLst>
                 <a:ext uri="{91240B29-F687-4f45-9708-019B960494DF}">
-                  <a14:hiddenLine xmlns="" xmlns:a14="http://schemas.microsoft.com/office/drawing/2010/main" w="9525">
+                  <a14:hiddenLine xmlns:a14="http://schemas.microsoft.com/office/drawing/2010/main" xmlns="" w="9525">
                     <a:solidFill>
                       <a:srgbClr val="000000"/>
                     </a:solidFill>
@@ -10265,7 +10268,7 @@
               </a:ln>
               <a:extLst>
                 <a:ext uri="{91240B29-F687-4f45-9708-019B960494DF}">
-                  <a14:hiddenLine xmlns="" xmlns:a14="http://schemas.microsoft.com/office/drawing/2010/main" w="9525">
+                  <a14:hiddenLine xmlns:a14="http://schemas.microsoft.com/office/drawing/2010/main" xmlns="" w="9525">
                     <a:solidFill>
                       <a:srgbClr val="000000"/>
                     </a:solidFill>
@@ -10299,7 +10302,7 @@
               </a:ln>
               <a:extLst>
                 <a:ext uri="{91240B29-F687-4f45-9708-019B960494DF}">
-                  <a14:hiddenLine xmlns="" xmlns:a14="http://schemas.microsoft.com/office/drawing/2010/main" w="9525">
+                  <a14:hiddenLine xmlns:a14="http://schemas.microsoft.com/office/drawing/2010/main" xmlns="" w="9525">
                     <a:solidFill>
                       <a:srgbClr val="000000"/>
                     </a:solidFill>
@@ -10364,7 +10367,7 @@
               </a:ln>
               <a:extLst>
                 <a:ext uri="{91240B29-F687-4f45-9708-019B960494DF}">
-                  <a14:hiddenLine xmlns="" xmlns:a14="http://schemas.microsoft.com/office/drawing/2010/main" w="9525">
+                  <a14:hiddenLine xmlns:a14="http://schemas.microsoft.com/office/drawing/2010/main" xmlns="" w="9525">
                     <a:solidFill>
                       <a:srgbClr val="000000"/>
                     </a:solidFill>
@@ -10454,7 +10457,7 @@
               </a:ln>
               <a:extLst>
                 <a:ext uri="{91240B29-F687-4f45-9708-019B960494DF}">
-                  <a14:hiddenLine xmlns="" xmlns:a14="http://schemas.microsoft.com/office/drawing/2010/main" w="9525">
+                  <a14:hiddenLine xmlns:a14="http://schemas.microsoft.com/office/drawing/2010/main" xmlns="" w="9525">
                     <a:solidFill>
                       <a:srgbClr val="000000"/>
                     </a:solidFill>
@@ -10516,7 +10519,7 @@
               </a:ln>
               <a:extLst>
                 <a:ext uri="{91240B29-F687-4f45-9708-019B960494DF}">
-                  <a14:hiddenLine xmlns="" xmlns:a14="http://schemas.microsoft.com/office/drawing/2010/main" w="9525">
+                  <a14:hiddenLine xmlns:a14="http://schemas.microsoft.com/office/drawing/2010/main" xmlns="" w="9525">
                     <a:solidFill>
                       <a:srgbClr val="000000"/>
                     </a:solidFill>
@@ -10606,7 +10609,7 @@
               </a:ln>
               <a:extLst>
                 <a:ext uri="{91240B29-F687-4f45-9708-019B960494DF}">
-                  <a14:hiddenLine xmlns="" xmlns:a14="http://schemas.microsoft.com/office/drawing/2010/main" w="9525">
+                  <a14:hiddenLine xmlns:a14="http://schemas.microsoft.com/office/drawing/2010/main" xmlns="" w="9525">
                     <a:solidFill>
                       <a:srgbClr val="000000"/>
                     </a:solidFill>
@@ -10671,7 +10674,7 @@
               </a:ln>
               <a:extLst>
                 <a:ext uri="{91240B29-F687-4f45-9708-019B960494DF}">
-                  <a14:hiddenLine xmlns="" xmlns:a14="http://schemas.microsoft.com/office/drawing/2010/main" w="9525">
+                  <a14:hiddenLine xmlns:a14="http://schemas.microsoft.com/office/drawing/2010/main" xmlns="" w="9525">
                     <a:solidFill>
                       <a:srgbClr val="000000"/>
                     </a:solidFill>
@@ -10733,7 +10736,7 @@
               </a:ln>
               <a:extLst>
                 <a:ext uri="{91240B29-F687-4f45-9708-019B960494DF}">
-                  <a14:hiddenLine xmlns="" xmlns:a14="http://schemas.microsoft.com/office/drawing/2010/main" w="9525">
+                  <a14:hiddenLine xmlns:a14="http://schemas.microsoft.com/office/drawing/2010/main" xmlns="" w="9525">
                     <a:solidFill>
                       <a:srgbClr val="000000"/>
                     </a:solidFill>
@@ -10823,7 +10826,7 @@
               </a:ln>
               <a:extLst>
                 <a:ext uri="{91240B29-F687-4f45-9708-019B960494DF}">
-                  <a14:hiddenLine xmlns="" xmlns:a14="http://schemas.microsoft.com/office/drawing/2010/main" w="9525">
+                  <a14:hiddenLine xmlns:a14="http://schemas.microsoft.com/office/drawing/2010/main" xmlns="" w="9525">
                     <a:solidFill>
                       <a:srgbClr val="000000"/>
                     </a:solidFill>
@@ -10913,7 +10916,7 @@
               </a:ln>
               <a:extLst>
                 <a:ext uri="{91240B29-F687-4f45-9708-019B960494DF}">
-                  <a14:hiddenLine xmlns="" xmlns:a14="http://schemas.microsoft.com/office/drawing/2010/main" w="9525">
+                  <a14:hiddenLine xmlns:a14="http://schemas.microsoft.com/office/drawing/2010/main" xmlns="" w="9525">
                     <a:solidFill>
                       <a:srgbClr val="000000"/>
                     </a:solidFill>
@@ -10978,7 +10981,7 @@
               </a:ln>
               <a:extLst>
                 <a:ext uri="{91240B29-F687-4f45-9708-019B960494DF}">
-                  <a14:hiddenLine xmlns="" xmlns:a14="http://schemas.microsoft.com/office/drawing/2010/main" w="9525">
+                  <a14:hiddenLine xmlns:a14="http://schemas.microsoft.com/office/drawing/2010/main" xmlns="" w="9525">
                     <a:solidFill>
                       <a:srgbClr val="000000"/>
                     </a:solidFill>
@@ -11098,7 +11101,7 @@
               </a:ln>
               <a:extLst>
                 <a:ext uri="{91240B29-F687-4f45-9708-019B960494DF}">
-                  <a14:hiddenLine xmlns="" xmlns:a14="http://schemas.microsoft.com/office/drawing/2010/main" w="9525">
+                  <a14:hiddenLine xmlns:a14="http://schemas.microsoft.com/office/drawing/2010/main" xmlns="" w="9525">
                     <a:solidFill>
                       <a:srgbClr val="000000"/>
                     </a:solidFill>
@@ -11179,7 +11182,7 @@
               </a:ln>
               <a:extLst>
                 <a:ext uri="{91240B29-F687-4f45-9708-019B960494DF}">
-                  <a14:hiddenLine xmlns="" xmlns:a14="http://schemas.microsoft.com/office/drawing/2010/main" w="9525">
+                  <a14:hiddenLine xmlns:a14="http://schemas.microsoft.com/office/drawing/2010/main" xmlns="" w="9525">
                     <a:solidFill>
                       <a:srgbClr val="000000"/>
                     </a:solidFill>
@@ -11294,7 +11297,7 @@
               </a:ln>
               <a:extLst>
                 <a:ext uri="{91240B29-F687-4f45-9708-019B960494DF}">
-                  <a14:hiddenLine xmlns="" xmlns:a14="http://schemas.microsoft.com/office/drawing/2010/main" w="9525">
+                  <a14:hiddenLine xmlns:a14="http://schemas.microsoft.com/office/drawing/2010/main" xmlns="" w="9525">
                     <a:solidFill>
                       <a:srgbClr val="000000"/>
                     </a:solidFill>
@@ -11384,7 +11387,7 @@
               </a:ln>
               <a:extLst>
                 <a:ext uri="{91240B29-F687-4f45-9708-019B960494DF}">
-                  <a14:hiddenLine xmlns="" xmlns:a14="http://schemas.microsoft.com/office/drawing/2010/main" w="9525">
+                  <a14:hiddenLine xmlns:a14="http://schemas.microsoft.com/office/drawing/2010/main" xmlns="" w="9525">
                     <a:solidFill>
                       <a:srgbClr val="000000"/>
                     </a:solidFill>
@@ -11449,7 +11452,7 @@
               </a:ln>
               <a:extLst>
                 <a:ext uri="{91240B29-F687-4f45-9708-019B960494DF}">
-                  <a14:hiddenLine xmlns="" xmlns:a14="http://schemas.microsoft.com/office/drawing/2010/main" w="9525">
+                  <a14:hiddenLine xmlns:a14="http://schemas.microsoft.com/office/drawing/2010/main" xmlns="" w="9525">
                     <a:solidFill>
                       <a:srgbClr val="000000"/>
                     </a:solidFill>
@@ -11539,7 +11542,7 @@
               </a:ln>
               <a:extLst>
                 <a:ext uri="{91240B29-F687-4f45-9708-019B960494DF}">
-                  <a14:hiddenLine xmlns="" xmlns:a14="http://schemas.microsoft.com/office/drawing/2010/main" w="9525">
+                  <a14:hiddenLine xmlns:a14="http://schemas.microsoft.com/office/drawing/2010/main" xmlns="" w="9525">
                     <a:solidFill>
                       <a:srgbClr val="000000"/>
                     </a:solidFill>
@@ -11607,7 +11610,7 @@
               </a:ln>
               <a:extLst>
                 <a:ext uri="{91240B29-F687-4f45-9708-019B960494DF}">
-                  <a14:hiddenLine xmlns="" xmlns:a14="http://schemas.microsoft.com/office/drawing/2010/main" w="9525">
+                  <a14:hiddenLine xmlns:a14="http://schemas.microsoft.com/office/drawing/2010/main" xmlns="" w="9525">
                     <a:solidFill>
                       <a:srgbClr val="000000"/>
                     </a:solidFill>
@@ -11697,7 +11700,7 @@
               </a:ln>
               <a:extLst>
                 <a:ext uri="{91240B29-F687-4f45-9708-019B960494DF}">
-                  <a14:hiddenLine xmlns="" xmlns:a14="http://schemas.microsoft.com/office/drawing/2010/main" w="9525">
+                  <a14:hiddenLine xmlns:a14="http://schemas.microsoft.com/office/drawing/2010/main" xmlns="" w="9525">
                     <a:solidFill>
                       <a:srgbClr val="000000"/>
                     </a:solidFill>
@@ -11765,7 +11768,7 @@
               </a:ln>
               <a:extLst>
                 <a:ext uri="{91240B29-F687-4f45-9708-019B960494DF}">
-                  <a14:hiddenLine xmlns="" xmlns:a14="http://schemas.microsoft.com/office/drawing/2010/main" w="9525">
+                  <a14:hiddenLine xmlns:a14="http://schemas.microsoft.com/office/drawing/2010/main" xmlns="" w="9525">
                     <a:solidFill>
                       <a:srgbClr val="000000"/>
                     </a:solidFill>
@@ -11855,7 +11858,7 @@
               </a:ln>
               <a:extLst>
                 <a:ext uri="{91240B29-F687-4f45-9708-019B960494DF}">
-                  <a14:hiddenLine xmlns="" xmlns:a14="http://schemas.microsoft.com/office/drawing/2010/main" w="9525">
+                  <a14:hiddenLine xmlns:a14="http://schemas.microsoft.com/office/drawing/2010/main" xmlns="" w="9525">
                     <a:solidFill>
                       <a:srgbClr val="000000"/>
                     </a:solidFill>
@@ -11889,7 +11892,7 @@
               </a:ln>
               <a:extLst>
                 <a:ext uri="{91240B29-F687-4f45-9708-019B960494DF}">
-                  <a14:hiddenLine xmlns="" xmlns:a14="http://schemas.microsoft.com/office/drawing/2010/main" w="9525">
+                  <a14:hiddenLine xmlns:a14="http://schemas.microsoft.com/office/drawing/2010/main" xmlns="" w="9525">
                     <a:solidFill>
                       <a:srgbClr val="000000"/>
                     </a:solidFill>
@@ -12029,7 +12032,7 @@
           <a:p>
             <a:fld id="{D109953C-3814-4714-A4CC-D76BB886B631}" type="datetimeFigureOut">
               <a:rPr lang="ru-RU" smtClean="0"/>
-              <a:t>02-04-2023</a:t>
+              <a:t>06.04.2023</a:t>
             </a:fld>
             <a:endParaRPr lang="ru-RU"/>
           </a:p>
@@ -12642,14 +12645,14 @@
             <p:ph idx="1"/>
             <p:extLst>
               <p:ext uri="{D42A27DB-BD31-4B8C-83A1-F6EECF244321}">
-                <p14:modId xmlns:p14="http://schemas.microsoft.com/office/powerpoint/2010/main" val="4049606460"/>
+                <p14:modId xmlns:p14="http://schemas.microsoft.com/office/powerpoint/2010/main" val="760454288"/>
               </p:ext>
             </p:extLst>
           </p:nvPr>
         </p:nvGraphicFramePr>
         <p:xfrm>
           <a:off x="1233777" y="2333177"/>
-          <a:ext cx="10320915" cy="2103120"/>
+          <a:ext cx="10320916" cy="2651760"/>
         </p:xfrm>
         <a:graphic>
           <a:graphicData uri="http://schemas.openxmlformats.org/drawingml/2006/table">
@@ -12658,24 +12661,31 @@
                 <a:tableStyleId>{5C22544A-7EE6-4342-B048-85BDC9FD1C3A}</a:tableStyleId>
               </a:tblPr>
               <a:tblGrid>
-                <a:gridCol w="3440305">
+                <a:gridCol w="2580229">
                   <a:extLst>
                     <a:ext uri="{9D8B030D-6E8A-4147-A177-3AD203B41FA5}">
                       <a16:colId xmlns:a16="http://schemas.microsoft.com/office/drawing/2014/main" val="3140073957"/>
                     </a:ext>
                   </a:extLst>
                 </a:gridCol>
-                <a:gridCol w="3440305">
+                <a:gridCol w="2580229">
                   <a:extLst>
                     <a:ext uri="{9D8B030D-6E8A-4147-A177-3AD203B41FA5}">
                       <a16:colId xmlns:a16="http://schemas.microsoft.com/office/drawing/2014/main" val="4276234329"/>
                     </a:ext>
                   </a:extLst>
                 </a:gridCol>
-                <a:gridCol w="3440305">
+                <a:gridCol w="2580229">
                   <a:extLst>
                     <a:ext uri="{9D8B030D-6E8A-4147-A177-3AD203B41FA5}">
                       <a16:colId xmlns:a16="http://schemas.microsoft.com/office/drawing/2014/main" val="206573051"/>
+                    </a:ext>
+                  </a:extLst>
+                </a:gridCol>
+                <a:gridCol w="2580229">
+                  <a:extLst>
+                    <a:ext uri="{9D8B030D-6E8A-4147-A177-3AD203B41FA5}">
+                      <a16:colId xmlns:a16="http://schemas.microsoft.com/office/drawing/2014/main" val="4207385271"/>
                     </a:ext>
                   </a:extLst>
                 </a:gridCol>
@@ -12713,6 +12723,24 @@
                       <a:r>
                         <a:rPr lang="en-US" dirty="0" err="1" smtClean="0"/>
                         <a:t>Resharper</a:t>
+                      </a:r>
+                      <a:endParaRPr lang="ru-RU" dirty="0"/>
+                    </a:p>
+                  </a:txBody>
+                  <a:tcPr/>
+                </a:tc>
+                <a:tc>
+                  <a:txBody>
+                    <a:bodyPr/>
+                    <a:lstStyle/>
+                    <a:p>
+                      <a:r>
+                        <a:rPr lang="ru-RU" dirty="0" smtClean="0"/>
+                        <a:t>Аналогия</a:t>
+                      </a:r>
+                      <a:r>
+                        <a:rPr lang="ru-RU" baseline="0" dirty="0" smtClean="0"/>
+                        <a:t> 2ГИС</a:t>
                       </a:r>
                       <a:endParaRPr lang="ru-RU" dirty="0"/>
                     </a:p>
@@ -12766,6 +12794,28 @@
                       <a:r>
                         <a:rPr lang="en-US" dirty="0" smtClean="0"/>
                         <a:t>+</a:t>
+                      </a:r>
+                      <a:endParaRPr lang="ru-RU" dirty="0"/>
+                    </a:p>
+                  </a:txBody>
+                  <a:tcPr/>
+                </a:tc>
+                <a:tc>
+                  <a:txBody>
+                    <a:bodyPr/>
+                    <a:lstStyle/>
+                    <a:p>
+                      <a:r>
+                        <a:rPr lang="ru-RU" dirty="0" smtClean="0"/>
+                        <a:t>«Увеличение</a:t>
+                      </a:r>
+                      <a:r>
+                        <a:rPr lang="ru-RU" baseline="0" dirty="0" smtClean="0"/>
+                        <a:t> масштаба</a:t>
+                      </a:r>
+                      <a:r>
+                        <a:rPr lang="ru-RU" dirty="0" smtClean="0"/>
+                        <a:t>»</a:t>
                       </a:r>
                       <a:endParaRPr lang="ru-RU" dirty="0"/>
                     </a:p>
@@ -12831,6 +12881,20 @@
                       <a:r>
                         <a:rPr lang="ru-RU" dirty="0" smtClean="0"/>
                         <a:t> (с переходом)</a:t>
+                      </a:r>
+                      <a:endParaRPr lang="ru-RU" dirty="0"/>
+                    </a:p>
+                  </a:txBody>
+                  <a:tcPr/>
+                </a:tc>
+                <a:tc>
+                  <a:txBody>
+                    <a:bodyPr/>
+                    <a:lstStyle/>
+                    <a:p>
+                      <a:r>
+                        <a:rPr lang="ru-RU" dirty="0" smtClean="0"/>
+                        <a:t>«Уменьшение масштаба»</a:t>
                       </a:r>
                       <a:endParaRPr lang="ru-RU" dirty="0"/>
                     </a:p>
@@ -12906,6 +12970,20 @@
                   </a:txBody>
                   <a:tcPr/>
                 </a:tc>
+                <a:tc>
+                  <a:txBody>
+                    <a:bodyPr/>
+                    <a:lstStyle/>
+                    <a:p>
+                      <a:r>
+                        <a:rPr lang="ru-RU" dirty="0" smtClean="0"/>
+                        <a:t>«Поиск по улице»</a:t>
+                      </a:r>
+                      <a:endParaRPr lang="ru-RU" dirty="0"/>
+                    </a:p>
+                  </a:txBody>
+                  <a:tcPr/>
+                </a:tc>
                 <a:extLst>
                   <a:ext uri="{0D108BD9-81ED-4DB2-BD59-A6C34878D82A}">
                     <a16:rowId xmlns:a16="http://schemas.microsoft.com/office/drawing/2014/main" val="1759141850"/>
@@ -12949,6 +13027,24 @@
                       <a:r>
                         <a:rPr lang="en-US" dirty="0" smtClean="0"/>
                         <a:t>+</a:t>
+                      </a:r>
+                      <a:endParaRPr lang="ru-RU" dirty="0"/>
+                    </a:p>
+                  </a:txBody>
+                  <a:tcPr/>
+                </a:tc>
+                <a:tc>
+                  <a:txBody>
+                    <a:bodyPr/>
+                    <a:lstStyle/>
+                    <a:p>
+                      <a:r>
+                        <a:rPr lang="ru-RU" dirty="0" smtClean="0"/>
+                        <a:t>В браузере</a:t>
+                      </a:r>
+                      <a:r>
+                        <a:rPr lang="ru-RU" baseline="0" dirty="0" smtClean="0"/>
+                        <a:t> кнопки «назад» и «вперед»</a:t>
                       </a:r>
                       <a:endParaRPr lang="ru-RU" dirty="0"/>
                     </a:p>
@@ -13042,6 +13138,264 @@
           <a:p>
             <a:r>
               <a:rPr lang="ru-RU" dirty="0" smtClean="0"/>
+              <a:t>НАВИГАЦИЯ</a:t>
+            </a:r>
+            <a:endParaRPr lang="ru-RU" dirty="0"/>
+          </a:p>
+        </p:txBody>
+      </p:sp>
+      <p:pic>
+        <p:nvPicPr>
+          <p:cNvPr id="6" name="Рисунок 5"/>
+          <p:cNvPicPr>
+            <a:picLocks noChangeAspect="1"/>
+          </p:cNvPicPr>
+          <p:nvPr/>
+        </p:nvPicPr>
+        <p:blipFill>
+          <a:blip r:embed="rId2"/>
+          <a:stretch>
+            <a:fillRect/>
+          </a:stretch>
+        </p:blipFill>
+        <p:spPr>
+          <a:xfrm>
+            <a:off x="-3352207" y="-2499706"/>
+            <a:ext cx="19465374" cy="10442366"/>
+          </a:xfrm>
+          <a:prstGeom prst="rect">
+            <a:avLst/>
+          </a:prstGeom>
+        </p:spPr>
+      </p:pic>
+      <p:sp>
+        <p:nvSpPr>
+          <p:cNvPr id="5" name="Прямоугольник 4"/>
+          <p:cNvSpPr/>
+          <p:nvPr/>
+        </p:nvSpPr>
+        <p:spPr>
+          <a:xfrm>
+            <a:off x="937728" y="5333048"/>
+            <a:ext cx="10109683" cy="1077218"/>
+          </a:xfrm>
+          <a:prstGeom prst="rect">
+            <a:avLst/>
+          </a:prstGeom>
+          <a:solidFill>
+            <a:schemeClr val="bg2"/>
+          </a:solidFill>
+        </p:spPr>
+        <p:txBody>
+          <a:bodyPr wrap="square">
+            <a:spAutoFit/>
+          </a:bodyPr>
+          <a:lstStyle/>
+          <a:p>
+            <a:r>
+              <a:rPr lang="ru-RU" sz="3200" dirty="0"/>
+              <a:t>При навигации 2ГИС показывает разные уровни абстракции: видим улицы, не видим дома</a:t>
+            </a:r>
+          </a:p>
+        </p:txBody>
+      </p:sp>
+    </p:spTree>
+    <p:extLst>
+      <p:ext uri="{BB962C8B-B14F-4D97-AF65-F5344CB8AC3E}">
+        <p14:creationId xmlns:p14="http://schemas.microsoft.com/office/powerpoint/2010/main" val="3650512075"/>
+      </p:ext>
+    </p:extLst>
+  </p:cSld>
+  <p:clrMapOvr>
+    <a:masterClrMapping/>
+  </p:clrMapOvr>
+  <p:timing>
+    <p:tnLst>
+      <p:par>
+        <p:cTn id="1" dur="indefinite" restart="never" nodeType="tmRoot"/>
+      </p:par>
+    </p:tnLst>
+  </p:timing>
+</p:sld>
+</file>
+
+<file path=ppt/slides/slide13.xml><?xml version="1.0" encoding="utf-8"?>
+<p:sld xmlns:a="http://schemas.openxmlformats.org/drawingml/2006/main" xmlns:r="http://schemas.openxmlformats.org/officeDocument/2006/relationships" xmlns:p="http://schemas.openxmlformats.org/presentationml/2006/main">
+  <p:cSld>
+    <p:spTree>
+      <p:nvGrpSpPr>
+        <p:cNvPr id="1" name=""/>
+        <p:cNvGrpSpPr/>
+        <p:nvPr/>
+      </p:nvGrpSpPr>
+      <p:grpSpPr>
+        <a:xfrm>
+          <a:off x="0" y="0"/>
+          <a:ext cx="0" cy="0"/>
+          <a:chOff x="0" y="0"/>
+          <a:chExt cx="0" cy="0"/>
+        </a:xfrm>
+      </p:grpSpPr>
+      <p:sp>
+        <p:nvSpPr>
+          <p:cNvPr id="2" name="Заголовок 1"/>
+          <p:cNvSpPr>
+            <a:spLocks noGrp="1"/>
+          </p:cNvSpPr>
+          <p:nvPr>
+            <p:ph type="title"/>
+          </p:nvPr>
+        </p:nvSpPr>
+        <p:spPr/>
+        <p:txBody>
+          <a:bodyPr/>
+          <a:lstStyle/>
+          <a:p>
+            <a:r>
+              <a:rPr lang="ru-RU" dirty="0" smtClean="0"/>
+              <a:t>навигация</a:t>
+            </a:r>
+            <a:endParaRPr lang="ru-RU" dirty="0"/>
+          </a:p>
+        </p:txBody>
+      </p:sp>
+      <p:pic>
+        <p:nvPicPr>
+          <p:cNvPr id="4" name="Объект 3"/>
+          <p:cNvPicPr>
+            <a:picLocks noGrp="1"/>
+          </p:cNvPicPr>
+          <p:nvPr>
+            <p:ph idx="1"/>
+          </p:nvPr>
+        </p:nvPicPr>
+        <p:blipFill>
+          <a:blip r:embed="rId2">
+            <a:extLst>
+              <a:ext uri="{28A0092B-C50C-407E-A947-70E740481C1C}">
+                <a14:useLocalDpi xmlns:a14="http://schemas.microsoft.com/office/drawing/2010/main" val="0"/>
+              </a:ext>
+            </a:extLst>
+          </a:blip>
+          <a:srcRect/>
+          <a:stretch>
+            <a:fillRect/>
+          </a:stretch>
+        </p:blipFill>
+        <p:spPr bwMode="auto">
+          <a:xfrm>
+            <a:off x="1141413" y="3265522"/>
+            <a:ext cx="8932863" cy="2783681"/>
+          </a:xfrm>
+          <a:prstGeom prst="rect">
+            <a:avLst/>
+          </a:prstGeom>
+          <a:noFill/>
+          <a:ln>
+            <a:noFill/>
+          </a:ln>
+        </p:spPr>
+      </p:pic>
+      <p:sp>
+        <p:nvSpPr>
+          <p:cNvPr id="5" name="TextBox 4"/>
+          <p:cNvSpPr txBox="1"/>
+          <p:nvPr/>
+        </p:nvSpPr>
+        <p:spPr>
+          <a:xfrm>
+            <a:off x="1141413" y="1961188"/>
+            <a:ext cx="10286510" cy="923330"/>
+          </a:xfrm>
+          <a:prstGeom prst="rect">
+            <a:avLst/>
+          </a:prstGeom>
+          <a:noFill/>
+        </p:spPr>
+        <p:txBody>
+          <a:bodyPr wrap="square" rtlCol="0">
+            <a:spAutoFit/>
+          </a:bodyPr>
+          <a:lstStyle/>
+          <a:p>
+            <a:r>
+              <a:rPr lang="ru-RU" dirty="0" smtClean="0"/>
+              <a:t>Функцию тоже будет проще </a:t>
+            </a:r>
+            <a:r>
+              <a:rPr lang="ru-RU" dirty="0"/>
+              <a:t>понять, если ее код будет соответствовать одному уровню абстракции, скрывая низкоуровневые детали в других </a:t>
+            </a:r>
+            <a:r>
+              <a:rPr lang="ru-RU" dirty="0" smtClean="0"/>
+              <a:t>функциях. </a:t>
+            </a:r>
+            <a:r>
+              <a:rPr lang="ru-RU" dirty="0"/>
+              <a:t>Сложную систему будет проще понять, если мы разделим ее на уровни</a:t>
+            </a:r>
+            <a:r>
+              <a:rPr lang="ru-RU" dirty="0" smtClean="0"/>
+              <a:t>. </a:t>
+            </a:r>
+            <a:endParaRPr lang="ru-RU" dirty="0"/>
+          </a:p>
+        </p:txBody>
+      </p:sp>
+    </p:spTree>
+    <p:extLst>
+      <p:ext uri="{BB962C8B-B14F-4D97-AF65-F5344CB8AC3E}">
+        <p14:creationId xmlns:p14="http://schemas.microsoft.com/office/powerpoint/2010/main" val="2008021548"/>
+      </p:ext>
+    </p:extLst>
+  </p:cSld>
+  <p:clrMapOvr>
+    <a:masterClrMapping/>
+  </p:clrMapOvr>
+  <p:timing>
+    <p:tnLst>
+      <p:par>
+        <p:cTn id="1" dur="indefinite" restart="never" nodeType="tmRoot"/>
+      </p:par>
+    </p:tnLst>
+  </p:timing>
+</p:sld>
+</file>
+
+<file path=ppt/slides/slide14.xml><?xml version="1.0" encoding="utf-8"?>
+<p:sld xmlns:a="http://schemas.openxmlformats.org/drawingml/2006/main" xmlns:r="http://schemas.openxmlformats.org/officeDocument/2006/relationships" xmlns:p="http://schemas.openxmlformats.org/presentationml/2006/main">
+  <p:cSld>
+    <p:spTree>
+      <p:nvGrpSpPr>
+        <p:cNvPr id="1" name=""/>
+        <p:cNvGrpSpPr/>
+        <p:nvPr/>
+      </p:nvGrpSpPr>
+      <p:grpSpPr>
+        <a:xfrm>
+          <a:off x="0" y="0"/>
+          <a:ext cx="0" cy="0"/>
+          <a:chOff x="0" y="0"/>
+          <a:chExt cx="0" cy="0"/>
+        </a:xfrm>
+      </p:grpSpPr>
+      <p:sp>
+        <p:nvSpPr>
+          <p:cNvPr id="2" name="Заголовок 1"/>
+          <p:cNvSpPr>
+            <a:spLocks noGrp="1"/>
+          </p:cNvSpPr>
+          <p:nvPr>
+            <p:ph type="title"/>
+          </p:nvPr>
+        </p:nvSpPr>
+        <p:spPr/>
+        <p:txBody>
+          <a:bodyPr/>
+          <a:lstStyle/>
+          <a:p>
+            <a:r>
+              <a:rPr lang="ru-RU" dirty="0" smtClean="0"/>
               <a:t>Инструменты Среды РАЗРАБОТКИ</a:t>
             </a:r>
             <a:endParaRPr lang="ru-RU" dirty="0"/>
@@ -13112,7 +13466,7 @@
 </p:sld>
 </file>
 
-<file path=ppt/slides/slide13.xml><?xml version="1.0" encoding="utf-8"?>
+<file path=ppt/slides/slide15.xml><?xml version="1.0" encoding="utf-8"?>
 <p:sld xmlns:a="http://schemas.openxmlformats.org/drawingml/2006/main" xmlns:r="http://schemas.openxmlformats.org/officeDocument/2006/relationships" xmlns:p="http://schemas.openxmlformats.org/presentationml/2006/main">
   <p:cSld>
     <p:spTree>
@@ -13243,7 +13597,7 @@
 </p:sld>
 </file>
 
-<file path=ppt/slides/slide14.xml><?xml version="1.0" encoding="utf-8"?>
+<file path=ppt/slides/slide16.xml><?xml version="1.0" encoding="utf-8"?>
 <p:sld xmlns:a="http://schemas.openxmlformats.org/drawingml/2006/main" xmlns:r="http://schemas.openxmlformats.org/officeDocument/2006/relationships" xmlns:p="http://schemas.openxmlformats.org/presentationml/2006/main">
   <p:cSld>
     <p:spTree>
@@ -13270,7 +13624,7 @@
             <p:ph idx="1"/>
             <p:extLst>
               <p:ext uri="{D42A27DB-BD31-4B8C-83A1-F6EECF244321}">
-                <p14:modId xmlns:p14="http://schemas.microsoft.com/office/powerpoint/2010/main" val="2570838759"/>
+                <p14:modId xmlns:p14="http://schemas.microsoft.com/office/powerpoint/2010/main" val="1785556020"/>
               </p:ext>
             </p:extLst>
           </p:nvPr>
@@ -13401,6 +13755,62 @@
                   </a:ext>
                 </a:extLst>
               </a:tr>
+              <a:tr h="316214">
+                <a:tc>
+                  <a:txBody>
+                    <a:bodyPr/>
+                    <a:lstStyle/>
+                    <a:p>
+                      <a:r>
+                        <a:rPr lang="ru-RU" baseline="0" dirty="0" smtClean="0"/>
+                        <a:t>Переименование</a:t>
+                      </a:r>
+                    </a:p>
+                  </a:txBody>
+                  <a:tcPr/>
+                </a:tc>
+                <a:tc>
+                  <a:txBody>
+                    <a:bodyPr/>
+                    <a:lstStyle/>
+                    <a:p>
+                      <a:r>
+                        <a:rPr lang="en-US" dirty="0" err="1" smtClean="0"/>
+                        <a:t>Edit.Refactor.Rename</a:t>
+                      </a:r>
+                      <a:endParaRPr lang="ru-RU" dirty="0"/>
+                    </a:p>
+                  </a:txBody>
+                  <a:tcPr/>
+                </a:tc>
+                <a:tc>
+                  <a:txBody>
+                    <a:bodyPr/>
+                    <a:lstStyle/>
+                    <a:p>
+                      <a:r>
+                        <a:rPr lang="en-US" dirty="0" err="1" smtClean="0"/>
+                        <a:t>Resharper.Refactor.Rename</a:t>
+                      </a:r>
+                      <a:r>
+                        <a:rPr lang="en-US" baseline="0" dirty="0" smtClean="0"/>
+                        <a:t> (</a:t>
+                      </a:r>
+                      <a:r>
+                        <a:rPr lang="ru-RU" baseline="0" dirty="0" smtClean="0"/>
+                        <a:t>подхватывает поля)</a:t>
+                      </a:r>
+                      <a:endParaRPr lang="ru-RU" dirty="0"/>
+                    </a:p>
+                  </a:txBody>
+                  <a:tcPr/>
+                </a:tc>
+                <a:extLst>
+                  <a:ext uri="{0D108BD9-81ED-4DB2-BD59-A6C34878D82A}">
+                    <a16:rowId xmlns:a16="http://schemas.microsoft.com/office/drawing/2014/main" val="2699153765"/>
+                  </a:ext>
+                </a:extLst>
+              </a:tr>
               <a:tr h="553374">
                 <a:tc>
                   <a:txBody>
@@ -13486,62 +13896,6 @@
                 <a:extLst>
                   <a:ext uri="{0D108BD9-81ED-4DB2-BD59-A6C34878D82A}">
                     <a16:rowId xmlns:a16="http://schemas.microsoft.com/office/drawing/2014/main" val="1118379286"/>
-                  </a:ext>
-                </a:extLst>
-              </a:tr>
-              <a:tr h="553374">
-                <a:tc>
-                  <a:txBody>
-                    <a:bodyPr/>
-                    <a:lstStyle/>
-                    <a:p>
-                      <a:r>
-                        <a:rPr lang="ru-RU" baseline="0" dirty="0" smtClean="0"/>
-                        <a:t>Переименование</a:t>
-                      </a:r>
-                    </a:p>
-                  </a:txBody>
-                  <a:tcPr/>
-                </a:tc>
-                <a:tc>
-                  <a:txBody>
-                    <a:bodyPr/>
-                    <a:lstStyle/>
-                    <a:p>
-                      <a:r>
-                        <a:rPr lang="en-US" dirty="0" err="1" smtClean="0"/>
-                        <a:t>Edit.Refactor.Rename</a:t>
-                      </a:r>
-                      <a:endParaRPr lang="ru-RU" dirty="0"/>
-                    </a:p>
-                  </a:txBody>
-                  <a:tcPr/>
-                </a:tc>
-                <a:tc>
-                  <a:txBody>
-                    <a:bodyPr/>
-                    <a:lstStyle/>
-                    <a:p>
-                      <a:r>
-                        <a:rPr lang="en-US" dirty="0" err="1" smtClean="0"/>
-                        <a:t>Resharper.Refactor.Rename</a:t>
-                      </a:r>
-                      <a:r>
-                        <a:rPr lang="en-US" baseline="0" dirty="0" smtClean="0"/>
-                        <a:t> (</a:t>
-                      </a:r>
-                      <a:r>
-                        <a:rPr lang="ru-RU" baseline="0" dirty="0" smtClean="0"/>
-                        <a:t>подхватывает поля)</a:t>
-                      </a:r>
-                      <a:endParaRPr lang="ru-RU" dirty="0"/>
-                    </a:p>
-                  </a:txBody>
-                  <a:tcPr/>
-                </a:tc>
-                <a:extLst>
-                  <a:ext uri="{0D108BD9-81ED-4DB2-BD59-A6C34878D82A}">
-                    <a16:rowId xmlns:a16="http://schemas.microsoft.com/office/drawing/2014/main" val="3550863097"/>
                   </a:ext>
                 </a:extLst>
               </a:tr>
@@ -13695,7 +14049,7 @@
 </p:sld>
 </file>
 
-<file path=ppt/slides/slide15.xml><?xml version="1.0" encoding="utf-8"?>
+<file path=ppt/slides/slide17.xml><?xml version="1.0" encoding="utf-8"?>
 <p:sld xmlns:a="http://schemas.openxmlformats.org/drawingml/2006/main" xmlns:r="http://schemas.openxmlformats.org/officeDocument/2006/relationships" xmlns:p="http://schemas.openxmlformats.org/presentationml/2006/main">
   <p:cSld>
     <p:spTree>
@@ -13799,7 +14153,7 @@
 </p:sld>
 </file>
 
-<file path=ppt/slides/slide16.xml><?xml version="1.0" encoding="utf-8"?>
+<file path=ppt/slides/slide18.xml><?xml version="1.0" encoding="utf-8"?>
 <p:sld xmlns:a="http://schemas.openxmlformats.org/drawingml/2006/main" xmlns:r="http://schemas.openxmlformats.org/officeDocument/2006/relationships" xmlns:p="http://schemas.openxmlformats.org/presentationml/2006/main">
   <p:cSld>
     <p:spTree>
@@ -13848,14 +14202,14 @@
           <p:nvPr>
             <p:extLst>
               <p:ext uri="{D42A27DB-BD31-4B8C-83A1-F6EECF244321}">
-                <p14:modId xmlns:p14="http://schemas.microsoft.com/office/powerpoint/2010/main" val="1959478631"/>
+                <p14:modId xmlns:p14="http://schemas.microsoft.com/office/powerpoint/2010/main" val="1254167193"/>
               </p:ext>
             </p:extLst>
           </p:nvPr>
         </p:nvGraphicFramePr>
         <p:xfrm>
           <a:off x="1192210" y="2338842"/>
-          <a:ext cx="9855201" cy="3383280"/>
+          <a:ext cx="9855201" cy="3474720"/>
         </p:xfrm>
         <a:graphic>
           <a:graphicData uri="http://schemas.openxmlformats.org/drawingml/2006/table">
@@ -14278,38 +14632,59 @@
                   </a:ext>
                 </a:extLst>
               </a:tr>
+              <a:tr h="292737">
+                <a:tc>
+                  <a:txBody>
+                    <a:bodyPr/>
+                    <a:lstStyle/>
+                    <a:p>
+                      <a:r>
+                        <a:rPr lang="ru-RU" baseline="0" dirty="0" smtClean="0"/>
+                        <a:t>Диаграммы классов</a:t>
+                      </a:r>
+                      <a:endParaRPr lang="en-US" baseline="0" dirty="0" smtClean="0"/>
+                    </a:p>
+                  </a:txBody>
+                  <a:tcPr/>
+                </a:tc>
+                <a:tc>
+                  <a:txBody>
+                    <a:bodyPr/>
+                    <a:lstStyle/>
+                    <a:p>
+                      <a:r>
+                        <a:rPr lang="ru-RU" dirty="0" smtClean="0"/>
+                        <a:t>+</a:t>
+                      </a:r>
+                      <a:endParaRPr lang="ru-RU" dirty="0"/>
+                    </a:p>
+                  </a:txBody>
+                  <a:tcPr/>
+                </a:tc>
+                <a:tc>
+                  <a:txBody>
+                    <a:bodyPr/>
+                    <a:lstStyle/>
+                    <a:p>
+                      <a:r>
+                        <a:rPr lang="ru-RU" dirty="0" smtClean="0"/>
+                        <a:t>+</a:t>
+                      </a:r>
+                      <a:endParaRPr lang="ru-RU" dirty="0"/>
+                    </a:p>
+                  </a:txBody>
+                  <a:tcPr/>
+                </a:tc>
+                <a:extLst>
+                  <a:ext uri="{0D108BD9-81ED-4DB2-BD59-A6C34878D82A}">
+                    <a16:rowId xmlns:a16="http://schemas.microsoft.com/office/drawing/2014/main" val="877059277"/>
+                  </a:ext>
+                </a:extLst>
+              </a:tr>
             </a:tbl>
           </a:graphicData>
         </a:graphic>
       </p:graphicFrame>
-      <p:sp>
-        <p:nvSpPr>
-          <p:cNvPr id="5" name="Прямоугольник 4"/>
-          <p:cNvSpPr/>
-          <p:nvPr/>
-        </p:nvSpPr>
-        <p:spPr>
-          <a:xfrm>
-            <a:off x="1141413" y="5999140"/>
-            <a:ext cx="3929345" cy="369332"/>
-          </a:xfrm>
-          <a:prstGeom prst="rect">
-            <a:avLst/>
-          </a:prstGeom>
-        </p:spPr>
-        <p:txBody>
-          <a:bodyPr wrap="none">
-            <a:spAutoFit/>
-          </a:bodyPr>
-          <a:lstStyle/>
-          <a:p>
-            <a:r>
-              <a:rPr lang="ru-RU" dirty="0"/>
-              <a:t>https://habr.com/ru/sandbox/130042/</a:t>
-            </a:r>
-          </a:p>
-        </p:txBody>
-      </p:sp>
     </p:spTree>
     <p:extLst>
       <p:ext uri="{BB962C8B-B14F-4D97-AF65-F5344CB8AC3E}">
@@ -14330,7 +14705,7 @@
 </p:sld>
 </file>
 
-<file path=ppt/slides/slide17.xml><?xml version="1.0" encoding="utf-8"?>
+<file path=ppt/slides/slide19.xml><?xml version="1.0" encoding="utf-8"?>
 <p:sld xmlns:a="http://schemas.openxmlformats.org/drawingml/2006/main" xmlns:r="http://schemas.openxmlformats.org/officeDocument/2006/relationships" xmlns:p="http://schemas.openxmlformats.org/presentationml/2006/main">
   <p:cSld>
     <p:spTree>
@@ -14390,7 +14765,7 @@
             </a:pPr>
             <a:r>
               <a:rPr lang="ru-RU" dirty="0" smtClean="0"/>
-              <a:t>Признак хорошо настроенной среды разработки - программист получает удовольствие от работы в ней</a:t>
+              <a:t>Признак хорошо настроенной среды разработки - программист получает удовольствие, когда в ней работает. Он находится в состоянии потока.</a:t>
             </a:r>
             <a:endParaRPr lang="ru-RU" dirty="0"/>
           </a:p>
@@ -14400,71 +14775,6 @@
     <p:extLst>
       <p:ext uri="{BB962C8B-B14F-4D97-AF65-F5344CB8AC3E}">
         <p14:creationId xmlns:p14="http://schemas.microsoft.com/office/powerpoint/2010/main" val="4052315986"/>
-      </p:ext>
-    </p:extLst>
-  </p:cSld>
-  <p:clrMapOvr>
-    <a:masterClrMapping/>
-  </p:clrMapOvr>
-  <p:timing>
-    <p:tnLst>
-      <p:par>
-        <p:cTn id="1" dur="indefinite" restart="never" nodeType="tmRoot"/>
-      </p:par>
-    </p:tnLst>
-  </p:timing>
-</p:sld>
-</file>
-
-<file path=ppt/slides/slide18.xml><?xml version="1.0" encoding="utf-8"?>
-<p:sld xmlns:a="http://schemas.openxmlformats.org/drawingml/2006/main" xmlns:r="http://schemas.openxmlformats.org/officeDocument/2006/relationships" xmlns:p="http://schemas.openxmlformats.org/presentationml/2006/main">
-  <p:cSld>
-    <p:spTree>
-      <p:nvGrpSpPr>
-        <p:cNvPr id="1" name=""/>
-        <p:cNvGrpSpPr/>
-        <p:nvPr/>
-      </p:nvGrpSpPr>
-      <p:grpSpPr>
-        <a:xfrm>
-          <a:off x="0" y="0"/>
-          <a:ext cx="0" cy="0"/>
-          <a:chOff x="0" y="0"/>
-          <a:chExt cx="0" cy="0"/>
-        </a:xfrm>
-      </p:grpSpPr>
-      <p:sp>
-        <p:nvSpPr>
-          <p:cNvPr id="2" name="Заголовок 1"/>
-          <p:cNvSpPr>
-            <a:spLocks noGrp="1"/>
-          </p:cNvSpPr>
-          <p:nvPr>
-            <p:ph type="title"/>
-          </p:nvPr>
-        </p:nvSpPr>
-        <p:spPr>
-          <a:xfrm>
-            <a:off x="1880322" y="2419609"/>
-            <a:ext cx="9905998" cy="1478570"/>
-          </a:xfrm>
-        </p:spPr>
-        <p:txBody>
-          <a:bodyPr/>
-          <a:lstStyle/>
-          <a:p>
-            <a:r>
-              <a:rPr lang="ru-RU" dirty="0" smtClean="0"/>
-              <a:t>Спасибо!</a:t>
-            </a:r>
-            <a:endParaRPr lang="ru-RU" dirty="0"/>
-          </a:p>
-        </p:txBody>
-      </p:sp>
-    </p:spTree>
-    <p:extLst>
-      <p:ext uri="{BB962C8B-B14F-4D97-AF65-F5344CB8AC3E}">
-        <p14:creationId xmlns:p14="http://schemas.microsoft.com/office/powerpoint/2010/main" val="497811520"/>
       </p:ext>
     </p:extLst>
   </p:cSld>
@@ -14579,7 +14889,7 @@
         </p:spPr>
         <p:txBody>
           <a:bodyPr>
-            <a:normAutofit fontScale="92500"/>
+            <a:normAutofit/>
           </a:bodyPr>
           <a:lstStyle/>
           <a:p>
@@ -14587,12 +14897,8 @@
               <a:buNone/>
             </a:pPr>
             <a:r>
-              <a:rPr lang="ru-RU" dirty="0"/>
-              <a:t>П</a:t>
-            </a:r>
-            <a:r>
               <a:rPr lang="ru-RU" dirty="0" smtClean="0"/>
-              <a:t>сихическое состояние, </a:t>
+              <a:t>Это психическое состояние, </a:t>
             </a:r>
             <a:r>
               <a:rPr lang="ru-RU" dirty="0"/>
@@ -14649,6 +14955,194 @@
     <p:extLst>
       <p:ext uri="{BB962C8B-B14F-4D97-AF65-F5344CB8AC3E}">
         <p14:creationId xmlns:p14="http://schemas.microsoft.com/office/powerpoint/2010/main" val="3636774623"/>
+      </p:ext>
+    </p:extLst>
+  </p:cSld>
+  <p:clrMapOvr>
+    <a:masterClrMapping/>
+  </p:clrMapOvr>
+  <p:timing>
+    <p:tnLst>
+      <p:par>
+        <p:cTn id="1" dur="indefinite" restart="never" nodeType="tmRoot"/>
+      </p:par>
+    </p:tnLst>
+  </p:timing>
+</p:sld>
+</file>
+
+<file path=ppt/slides/slide20.xml><?xml version="1.0" encoding="utf-8"?>
+<p:sld xmlns:a="http://schemas.openxmlformats.org/drawingml/2006/main" xmlns:r="http://schemas.openxmlformats.org/officeDocument/2006/relationships" xmlns:p="http://schemas.openxmlformats.org/presentationml/2006/main">
+  <p:cSld>
+    <p:spTree>
+      <p:nvGrpSpPr>
+        <p:cNvPr id="1" name=""/>
+        <p:cNvGrpSpPr/>
+        <p:nvPr/>
+      </p:nvGrpSpPr>
+      <p:grpSpPr>
+        <a:xfrm>
+          <a:off x="0" y="0"/>
+          <a:ext cx="0" cy="0"/>
+          <a:chOff x="0" y="0"/>
+          <a:chExt cx="0" cy="0"/>
+        </a:xfrm>
+      </p:grpSpPr>
+      <p:sp>
+        <p:nvSpPr>
+          <p:cNvPr id="2" name="Заголовок 1"/>
+          <p:cNvSpPr>
+            <a:spLocks noGrp="1"/>
+          </p:cNvSpPr>
+          <p:nvPr>
+            <p:ph type="title"/>
+          </p:nvPr>
+        </p:nvSpPr>
+        <p:spPr/>
+        <p:txBody>
+          <a:bodyPr/>
+          <a:lstStyle/>
+          <a:p>
+            <a:r>
+              <a:rPr lang="ru-RU" dirty="0" smtClean="0"/>
+              <a:t>ИТОГ</a:t>
+            </a:r>
+            <a:endParaRPr lang="ru-RU" dirty="0"/>
+          </a:p>
+        </p:txBody>
+      </p:sp>
+      <p:sp>
+        <p:nvSpPr>
+          <p:cNvPr id="3" name="Объект 2"/>
+          <p:cNvSpPr>
+            <a:spLocks noGrp="1"/>
+          </p:cNvSpPr>
+          <p:nvPr>
+            <p:ph idx="1"/>
+          </p:nvPr>
+        </p:nvSpPr>
+        <p:spPr/>
+        <p:txBody>
+          <a:bodyPr/>
+          <a:lstStyle/>
+          <a:p>
+            <a:r>
+              <a:rPr lang="ru-RU" dirty="0" smtClean="0"/>
+              <a:t>Рекомендуется настроить </a:t>
+            </a:r>
+            <a:r>
+              <a:rPr lang="ru-RU" smtClean="0"/>
+              <a:t>горячие кнопки </a:t>
+            </a:r>
+            <a:r>
+              <a:rPr lang="ru-RU" dirty="0" smtClean="0"/>
+              <a:t>для инструментов:</a:t>
+            </a:r>
+          </a:p>
+          <a:p>
+            <a:pPr>
+              <a:buFontTx/>
+              <a:buChar char="-"/>
+            </a:pPr>
+            <a:r>
+              <a:rPr lang="ru-RU" dirty="0" smtClean="0"/>
+              <a:t>Навигации</a:t>
+            </a:r>
+          </a:p>
+          <a:p>
+            <a:pPr>
+              <a:buFontTx/>
+              <a:buChar char="-"/>
+            </a:pPr>
+            <a:r>
+              <a:rPr lang="ru-RU" dirty="0" err="1" smtClean="0"/>
+              <a:t>Рефакторинга</a:t>
+            </a:r>
+            <a:endParaRPr lang="ru-RU" dirty="0" smtClean="0"/>
+          </a:p>
+          <a:p>
+            <a:pPr>
+              <a:buFontTx/>
+              <a:buChar char="-"/>
+            </a:pPr>
+            <a:r>
+              <a:rPr lang="ru-RU" dirty="0" smtClean="0"/>
+              <a:t>Подумать об установке </a:t>
+            </a:r>
+            <a:r>
+              <a:rPr lang="en-US" dirty="0" err="1" smtClean="0"/>
+              <a:t>Resharper</a:t>
+            </a:r>
+            <a:r>
+              <a:rPr lang="ru-RU" dirty="0" smtClean="0"/>
+              <a:t> для анализа кода</a:t>
+            </a:r>
+            <a:endParaRPr lang="ru-RU" dirty="0"/>
+          </a:p>
+        </p:txBody>
+      </p:sp>
+    </p:spTree>
+    <p:extLst>
+      <p:ext uri="{BB962C8B-B14F-4D97-AF65-F5344CB8AC3E}">
+        <p14:creationId xmlns:p14="http://schemas.microsoft.com/office/powerpoint/2010/main" val="1364571052"/>
+      </p:ext>
+    </p:extLst>
+  </p:cSld>
+  <p:clrMapOvr>
+    <a:masterClrMapping/>
+  </p:clrMapOvr>
+</p:sld>
+</file>
+
+<file path=ppt/slides/slide21.xml><?xml version="1.0" encoding="utf-8"?>
+<p:sld xmlns:a="http://schemas.openxmlformats.org/drawingml/2006/main" xmlns:r="http://schemas.openxmlformats.org/officeDocument/2006/relationships" xmlns:p="http://schemas.openxmlformats.org/presentationml/2006/main">
+  <p:cSld>
+    <p:spTree>
+      <p:nvGrpSpPr>
+        <p:cNvPr id="1" name=""/>
+        <p:cNvGrpSpPr/>
+        <p:nvPr/>
+      </p:nvGrpSpPr>
+      <p:grpSpPr>
+        <a:xfrm>
+          <a:off x="0" y="0"/>
+          <a:ext cx="0" cy="0"/>
+          <a:chOff x="0" y="0"/>
+          <a:chExt cx="0" cy="0"/>
+        </a:xfrm>
+      </p:grpSpPr>
+      <p:sp>
+        <p:nvSpPr>
+          <p:cNvPr id="2" name="Заголовок 1"/>
+          <p:cNvSpPr>
+            <a:spLocks noGrp="1"/>
+          </p:cNvSpPr>
+          <p:nvPr>
+            <p:ph type="title"/>
+          </p:nvPr>
+        </p:nvSpPr>
+        <p:spPr>
+          <a:xfrm>
+            <a:off x="1880322" y="2419609"/>
+            <a:ext cx="9905998" cy="1478570"/>
+          </a:xfrm>
+        </p:spPr>
+        <p:txBody>
+          <a:bodyPr/>
+          <a:lstStyle/>
+          <a:p>
+            <a:r>
+              <a:rPr lang="ru-RU" dirty="0" smtClean="0"/>
+              <a:t>Спасибо!</a:t>
+            </a:r>
+            <a:endParaRPr lang="ru-RU" dirty="0"/>
+          </a:p>
+        </p:txBody>
+      </p:sp>
+    </p:spTree>
+    <p:extLst>
+      <p:ext uri="{BB962C8B-B14F-4D97-AF65-F5344CB8AC3E}">
+        <p14:creationId xmlns:p14="http://schemas.microsoft.com/office/powerpoint/2010/main" val="497811520"/>
       </p:ext>
     </p:extLst>
   </p:cSld>
@@ -14740,15 +15234,7 @@
           <a:p>
             <a:r>
               <a:rPr lang="ru-RU" dirty="0" smtClean="0"/>
-              <a:t>Нужно время что бы в него </a:t>
-            </a:r>
-            <a:r>
-              <a:rPr lang="ru-RU" dirty="0" smtClean="0"/>
-              <a:t>войти </a:t>
-            </a:r>
-            <a:r>
-              <a:rPr lang="ru-RU" dirty="0" smtClean="0"/>
-              <a:t>(примерно 15 мин)</a:t>
+              <a:t>Нужно время что бы в него войти (примерно 15 мин)</a:t>
             </a:r>
           </a:p>
           <a:p>
@@ -14910,7 +15396,6 @@
               <a:rPr lang="ru-RU" dirty="0"/>
               <a:t>Поэтому УДЕЛЯЕМ ВНИМАНИЕ</a:t>
             </a:r>
-            <a:endParaRPr lang="ru-RU" dirty="0"/>
           </a:p>
         </p:txBody>
       </p:sp>
@@ -15003,11 +15488,7 @@
           <a:p>
             <a:r>
               <a:rPr lang="ru-RU" dirty="0" smtClean="0"/>
-              <a:t>Среда </a:t>
-            </a:r>
-            <a:r>
-              <a:rPr lang="ru-RU" dirty="0" smtClean="0"/>
-              <a:t>РАЗРАБОТКИ</a:t>
+              <a:t>Среда РАЗРАБОТКИ</a:t>
             </a:r>
             <a:endParaRPr lang="ru-RU" dirty="0"/>
           </a:p>
@@ -15113,7 +15594,6 @@
               <a:rPr lang="ru-RU" dirty="0"/>
               <a:t>Среда РАЗРАБОТКИ</a:t>
             </a:r>
-            <a:endParaRPr lang="ru-RU" dirty="0"/>
           </a:p>
         </p:txBody>
       </p:sp>
